--- a/Malware.pptx
+++ b/Malware.pptx
@@ -245,7 +245,7 @@
           <a:p>
             <a:fld id="{F352A77B-D33C-49B3-A83C-450AA2ED72B3}" type="datetimeFigureOut">
               <a:rPr lang="en-US" smtClean="0"/>
-              <a:t>04-Nov-24</a:t>
+              <a:t>07-Nov-24</a:t>
             </a:fld>
             <a:endParaRPr lang="en-US" dirty="0"/>
           </a:p>
@@ -422,7 +422,7 @@
           <a:p>
             <a:fld id="{E38D8F9A-F5CB-4EF8-A859-ED5E107B9763}" type="datetimeFigureOut">
               <a:rPr lang="en-US" smtClean="0"/>
-              <a:t>04-Nov-24</a:t>
+              <a:t>07-Nov-24</a:t>
             </a:fld>
             <a:endParaRPr lang="en-US" dirty="0"/>
           </a:p>
@@ -15977,7 +15977,7 @@
         </p:nvSpPr>
         <p:spPr>
           <a:xfrm>
-            <a:off x="6416040" y="4434840"/>
+            <a:off x="6416041" y="2606040"/>
             <a:ext cx="4941771" cy="1122202"/>
           </a:xfrm>
         </p:spPr>
@@ -16010,7 +16010,7 @@
         </p:nvSpPr>
         <p:spPr>
           <a:xfrm>
-            <a:off x="6416041" y="5586890"/>
+            <a:off x="6416041" y="3729215"/>
             <a:ext cx="4941770" cy="735533"/>
           </a:xfrm>
         </p:spPr>
@@ -16021,14 +16021,316 @@
           <a:lstStyle/>
           <a:p>
             <a:r>
-              <a:rPr lang="en-US" dirty="0"/>
+              <a:rPr lang="en-US" dirty="0">
+                <a:latin typeface="Times New Roman" panose="02020603050405020304" pitchFamily="18" charset="0"/>
+                <a:cs typeface="Times New Roman" panose="02020603050405020304" pitchFamily="18" charset="0"/>
+              </a:rPr>
               <a:t>Abhilash Chutia [CSM23010]</a:t>
             </a:r>
           </a:p>
           <a:p>
             <a:r>
-              <a:rPr lang="en-US" dirty="0"/>
+              <a:rPr lang="en-US" dirty="0">
+                <a:latin typeface="Times New Roman" panose="02020603050405020304" pitchFamily="18" charset="0"/>
+                <a:cs typeface="Times New Roman" panose="02020603050405020304" pitchFamily="18" charset="0"/>
+              </a:rPr>
               <a:t>Bishal Sharma [CSM23024]</a:t>
+            </a:r>
+          </a:p>
+        </p:txBody>
+      </p:sp>
+      <p:sp>
+        <p:nvSpPr>
+          <p:cNvPr id="4" name="Subtitle 2">
+            <a:extLst>
+              <a:ext uri="{FF2B5EF4-FFF2-40B4-BE49-F238E27FC236}">
+                <a16:creationId xmlns:a16="http://schemas.microsoft.com/office/drawing/2014/main" id="{FEC1D856-BBFD-47C0-94E7-E9EFAA68340C}"/>
+              </a:ext>
+            </a:extLst>
+          </p:cNvPr>
+          <p:cNvSpPr txBox="1">
+            <a:spLocks/>
+          </p:cNvSpPr>
+          <p:nvPr/>
+        </p:nvSpPr>
+        <p:spPr>
+          <a:xfrm>
+            <a:off x="6416041" y="4883101"/>
+            <a:ext cx="4941770" cy="1508990"/>
+          </a:xfrm>
+          <a:prstGeom prst="rect">
+            <a:avLst/>
+          </a:prstGeom>
+        </p:spPr>
+        <p:txBody>
+          <a:bodyPr vert="horz" lIns="91440" tIns="45720" rIns="91440" bIns="45720" rtlCol="0">
+            <a:normAutofit/>
+          </a:bodyPr>
+          <a:lstStyle>
+            <a:lvl1pPr marL="0" indent="0" algn="l" defTabSz="914400" rtl="0" eaLnBrk="1" latinLnBrk="0" hangingPunct="1">
+              <a:lnSpc>
+                <a:spcPct val="100000"/>
+              </a:lnSpc>
+              <a:spcBef>
+                <a:spcPts val="1000"/>
+              </a:spcBef>
+              <a:buFont typeface="Arial" panose="020B0604020202020204" pitchFamily="34" charset="0"/>
+              <a:buNone/>
+              <a:defRPr sz="1600" kern="1200">
+                <a:solidFill>
+                  <a:schemeClr val="tx1">
+                    <a:lumMod val="75000"/>
+                    <a:lumOff val="25000"/>
+                  </a:schemeClr>
+                </a:solidFill>
+                <a:latin typeface="+mn-lt"/>
+                <a:ea typeface="+mn-ea"/>
+                <a:cs typeface="+mn-cs"/>
+              </a:defRPr>
+            </a:lvl1pPr>
+            <a:lvl2pPr marL="457200" indent="0" algn="ctr" defTabSz="914400" rtl="0" eaLnBrk="1" latinLnBrk="0" hangingPunct="1">
+              <a:lnSpc>
+                <a:spcPct val="90000"/>
+              </a:lnSpc>
+              <a:spcBef>
+                <a:spcPts val="500"/>
+              </a:spcBef>
+              <a:buFont typeface="Arial" panose="020B0604020202020204" pitchFamily="34" charset="0"/>
+              <a:buNone/>
+              <a:defRPr sz="2000" kern="1200">
+                <a:solidFill>
+                  <a:schemeClr val="tx1">
+                    <a:lumMod val="75000"/>
+                    <a:lumOff val="25000"/>
+                  </a:schemeClr>
+                </a:solidFill>
+                <a:latin typeface="+mn-lt"/>
+                <a:ea typeface="+mn-ea"/>
+                <a:cs typeface="+mn-cs"/>
+              </a:defRPr>
+            </a:lvl2pPr>
+            <a:lvl3pPr marL="914400" indent="0" algn="ctr" defTabSz="914400" rtl="0" eaLnBrk="1" latinLnBrk="0" hangingPunct="1">
+              <a:lnSpc>
+                <a:spcPct val="90000"/>
+              </a:lnSpc>
+              <a:spcBef>
+                <a:spcPts val="500"/>
+              </a:spcBef>
+              <a:buFont typeface="Arial" panose="020B0604020202020204" pitchFamily="34" charset="0"/>
+              <a:buNone/>
+              <a:defRPr sz="1800" kern="1200">
+                <a:solidFill>
+                  <a:schemeClr val="tx1">
+                    <a:lumMod val="75000"/>
+                    <a:lumOff val="25000"/>
+                  </a:schemeClr>
+                </a:solidFill>
+                <a:latin typeface="+mn-lt"/>
+                <a:ea typeface="+mn-ea"/>
+                <a:cs typeface="+mn-cs"/>
+              </a:defRPr>
+            </a:lvl3pPr>
+            <a:lvl4pPr marL="1371600" indent="0" algn="ctr" defTabSz="914400" rtl="0" eaLnBrk="1" latinLnBrk="0" hangingPunct="1">
+              <a:lnSpc>
+                <a:spcPct val="90000"/>
+              </a:lnSpc>
+              <a:spcBef>
+                <a:spcPts val="500"/>
+              </a:spcBef>
+              <a:buFont typeface="Arial" panose="020B0604020202020204" pitchFamily="34" charset="0"/>
+              <a:buNone/>
+              <a:defRPr sz="1600" kern="1200">
+                <a:solidFill>
+                  <a:schemeClr val="tx1">
+                    <a:lumMod val="75000"/>
+                    <a:lumOff val="25000"/>
+                  </a:schemeClr>
+                </a:solidFill>
+                <a:latin typeface="+mn-lt"/>
+                <a:ea typeface="+mn-ea"/>
+                <a:cs typeface="+mn-cs"/>
+              </a:defRPr>
+            </a:lvl4pPr>
+            <a:lvl5pPr marL="1828800" indent="0" algn="ctr" defTabSz="914400" rtl="0" eaLnBrk="1" latinLnBrk="0" hangingPunct="1">
+              <a:lnSpc>
+                <a:spcPct val="90000"/>
+              </a:lnSpc>
+              <a:spcBef>
+                <a:spcPts val="500"/>
+              </a:spcBef>
+              <a:buFont typeface="Arial" panose="020B0604020202020204" pitchFamily="34" charset="0"/>
+              <a:buNone/>
+              <a:defRPr sz="1600" kern="1200">
+                <a:solidFill>
+                  <a:schemeClr val="tx1">
+                    <a:lumMod val="75000"/>
+                    <a:lumOff val="25000"/>
+                  </a:schemeClr>
+                </a:solidFill>
+                <a:latin typeface="+mn-lt"/>
+                <a:ea typeface="+mn-ea"/>
+                <a:cs typeface="+mn-cs"/>
+              </a:defRPr>
+            </a:lvl5pPr>
+            <a:lvl6pPr marL="2286000" indent="0" algn="ctr" defTabSz="914400" rtl="0" eaLnBrk="1" latinLnBrk="0" hangingPunct="1">
+              <a:lnSpc>
+                <a:spcPct val="90000"/>
+              </a:lnSpc>
+              <a:spcBef>
+                <a:spcPts val="500"/>
+              </a:spcBef>
+              <a:buFont typeface="Arial" panose="020B0604020202020204" pitchFamily="34" charset="0"/>
+              <a:buNone/>
+              <a:defRPr sz="1600" kern="1200">
+                <a:solidFill>
+                  <a:schemeClr val="tx1"/>
+                </a:solidFill>
+                <a:latin typeface="+mn-lt"/>
+                <a:ea typeface="+mn-ea"/>
+                <a:cs typeface="+mn-cs"/>
+              </a:defRPr>
+            </a:lvl6pPr>
+            <a:lvl7pPr marL="2743200" indent="0" algn="ctr" defTabSz="914400" rtl="0" eaLnBrk="1" latinLnBrk="0" hangingPunct="1">
+              <a:lnSpc>
+                <a:spcPct val="90000"/>
+              </a:lnSpc>
+              <a:spcBef>
+                <a:spcPts val="500"/>
+              </a:spcBef>
+              <a:buFont typeface="Arial" panose="020B0604020202020204" pitchFamily="34" charset="0"/>
+              <a:buNone/>
+              <a:defRPr sz="1600" kern="1200">
+                <a:solidFill>
+                  <a:schemeClr val="tx1"/>
+                </a:solidFill>
+                <a:latin typeface="+mn-lt"/>
+                <a:ea typeface="+mn-ea"/>
+                <a:cs typeface="+mn-cs"/>
+              </a:defRPr>
+            </a:lvl7pPr>
+            <a:lvl8pPr marL="3200400" indent="0" algn="ctr" defTabSz="914400" rtl="0" eaLnBrk="1" latinLnBrk="0" hangingPunct="1">
+              <a:lnSpc>
+                <a:spcPct val="90000"/>
+              </a:lnSpc>
+              <a:spcBef>
+                <a:spcPts val="500"/>
+              </a:spcBef>
+              <a:buFont typeface="Arial" panose="020B0604020202020204" pitchFamily="34" charset="0"/>
+              <a:buNone/>
+              <a:defRPr sz="1600" kern="1200">
+                <a:solidFill>
+                  <a:schemeClr val="tx1"/>
+                </a:solidFill>
+                <a:latin typeface="+mn-lt"/>
+                <a:ea typeface="+mn-ea"/>
+                <a:cs typeface="+mn-cs"/>
+              </a:defRPr>
+            </a:lvl8pPr>
+            <a:lvl9pPr marL="3657600" indent="0" algn="ctr" defTabSz="914400" rtl="0" eaLnBrk="1" latinLnBrk="0" hangingPunct="1">
+              <a:lnSpc>
+                <a:spcPct val="90000"/>
+              </a:lnSpc>
+              <a:spcBef>
+                <a:spcPts val="500"/>
+              </a:spcBef>
+              <a:buFont typeface="Arial" panose="020B0604020202020204" pitchFamily="34" charset="0"/>
+              <a:buNone/>
+              <a:defRPr sz="1600" kern="1200">
+                <a:solidFill>
+                  <a:schemeClr val="tx1"/>
+                </a:solidFill>
+                <a:latin typeface="+mn-lt"/>
+                <a:ea typeface="+mn-ea"/>
+                <a:cs typeface="+mn-cs"/>
+              </a:defRPr>
+            </a:lvl9pPr>
+          </a:lstStyle>
+          <a:p>
+            <a:pPr>
+              <a:spcBef>
+                <a:spcPts val="0"/>
+              </a:spcBef>
+            </a:pPr>
+            <a:r>
+              <a:rPr lang="en-US" dirty="0">
+                <a:latin typeface="Times New Roman" panose="02020603050405020304" pitchFamily="18" charset="0"/>
+                <a:cs typeface="Times New Roman" panose="02020603050405020304" pitchFamily="18" charset="0"/>
+              </a:rPr>
+              <a:t>Presented to –</a:t>
+            </a:r>
+          </a:p>
+          <a:p>
+            <a:pPr>
+              <a:spcBef>
+                <a:spcPts val="0"/>
+              </a:spcBef>
+            </a:pPr>
+            <a:endParaRPr lang="en-US" dirty="0">
+              <a:latin typeface="Times New Roman" panose="02020603050405020304" pitchFamily="18" charset="0"/>
+              <a:cs typeface="Times New Roman" panose="02020603050405020304" pitchFamily="18" charset="0"/>
+            </a:endParaRPr>
+          </a:p>
+          <a:p>
+            <a:pPr>
+              <a:spcBef>
+                <a:spcPts val="0"/>
+              </a:spcBef>
+            </a:pPr>
+            <a:r>
+              <a:rPr lang="en-US" dirty="0">
+                <a:latin typeface="Times New Roman" panose="02020603050405020304" pitchFamily="18" charset="0"/>
+                <a:cs typeface="Times New Roman" panose="02020603050405020304" pitchFamily="18" charset="0"/>
+              </a:rPr>
+              <a:t>Dr </a:t>
+            </a:r>
+            <a:r>
+              <a:rPr lang="en-US" dirty="0" err="1">
+                <a:latin typeface="Times New Roman" panose="02020603050405020304" pitchFamily="18" charset="0"/>
+                <a:cs typeface="Times New Roman" panose="02020603050405020304" pitchFamily="18" charset="0"/>
+              </a:rPr>
+              <a:t>Dhruba</a:t>
+            </a:r>
+            <a:r>
+              <a:rPr lang="en-US" dirty="0">
+                <a:latin typeface="Times New Roman" panose="02020603050405020304" pitchFamily="18" charset="0"/>
+                <a:cs typeface="Times New Roman" panose="02020603050405020304" pitchFamily="18" charset="0"/>
+              </a:rPr>
+              <a:t> K Bhattacharyya</a:t>
+            </a:r>
+          </a:p>
+          <a:p>
+            <a:pPr>
+              <a:spcBef>
+                <a:spcPts val="0"/>
+              </a:spcBef>
+            </a:pPr>
+            <a:r>
+              <a:rPr lang="en-US" dirty="0">
+                <a:latin typeface="Times New Roman" panose="02020603050405020304" pitchFamily="18" charset="0"/>
+                <a:cs typeface="Times New Roman" panose="02020603050405020304" pitchFamily="18" charset="0"/>
+              </a:rPr>
+              <a:t>Sr. Professor, Dept of CSE,</a:t>
+            </a:r>
+          </a:p>
+          <a:p>
+            <a:pPr>
+              <a:spcBef>
+                <a:spcPts val="0"/>
+              </a:spcBef>
+            </a:pPr>
+            <a:r>
+              <a:rPr lang="en-US" dirty="0" err="1">
+                <a:latin typeface="Times New Roman" panose="02020603050405020304" pitchFamily="18" charset="0"/>
+                <a:cs typeface="Times New Roman" panose="02020603050405020304" pitchFamily="18" charset="0"/>
+              </a:rPr>
+              <a:t>Trzpur</a:t>
+            </a:r>
+            <a:r>
+              <a:rPr lang="en-US" dirty="0">
+                <a:latin typeface="Times New Roman" panose="02020603050405020304" pitchFamily="18" charset="0"/>
+                <a:cs typeface="Times New Roman" panose="02020603050405020304" pitchFamily="18" charset="0"/>
+              </a:rPr>
+              <a:t> University</a:t>
             </a:r>
           </a:p>
         </p:txBody>
@@ -16616,7 +16918,7 @@
         </p:nvSpPr>
         <p:spPr>
           <a:xfrm>
-            <a:off x="4401535" y="1594478"/>
+            <a:off x="4366701" y="1490067"/>
             <a:ext cx="5539095" cy="1010842"/>
           </a:xfrm>
         </p:spPr>
@@ -18324,7 +18626,7 @@
         </p:nvSpPr>
         <p:spPr>
           <a:xfrm>
-            <a:off x="5476875" y="1671639"/>
+            <a:off x="5476875" y="1014549"/>
             <a:ext cx="5111750" cy="1204912"/>
           </a:xfrm>
         </p:spPr>
@@ -18357,13 +18659,13 @@
         </p:nvSpPr>
         <p:spPr>
           <a:xfrm>
-            <a:off x="5476875" y="2876551"/>
-            <a:ext cx="5111750" cy="2966900"/>
+            <a:off x="5476875" y="2219461"/>
+            <a:ext cx="5111750" cy="3623990"/>
           </a:xfrm>
         </p:spPr>
         <p:txBody>
           <a:bodyPr vert="horz" lIns="91440" tIns="45720" rIns="91440" bIns="45720" rtlCol="0" anchor="b">
-            <a:normAutofit fontScale="92500"/>
+            <a:normAutofit/>
           </a:bodyPr>
           <a:lstStyle/>
           <a:p>
@@ -18586,7 +18888,19 @@
           <a:p>
             <a:r>
               <a:rPr lang="en-US" dirty="0"/>
-              <a:t>Dr. Dhruba Kr Bhattacharyya</a:t>
+              <a:t>Dr. </a:t>
+            </a:r>
+            <a:r>
+              <a:rPr lang="en-US" dirty="0" err="1"/>
+              <a:t>Dhruba</a:t>
+            </a:r>
+            <a:r>
+              <a:rPr lang="en-US"/>
+              <a:t> K </a:t>
+            </a:r>
+            <a:r>
+              <a:rPr lang="en-US" dirty="0"/>
+              <a:t>Bhattacharyya</a:t>
             </a:r>
           </a:p>
         </p:txBody>
@@ -19517,6 +19831,15 @@
 </file>
 
 <file path=customXml/item2.xml><?xml version="1.0" encoding="utf-8"?>
+<?mso-contentType ?>
+<FormTemplates xmlns="http://schemas.microsoft.com/sharepoint/v3/contenttype/forms">
+  <Display>DocumentLibraryForm</Display>
+  <Edit>DocumentLibraryForm</Edit>
+  <New>DocumentLibraryForm</New>
+</FormTemplates>
+</file>
+
+<file path=customXml/item3.xml><?xml version="1.0" encoding="utf-8"?>
 <ct:contentTypeSchema xmlns:ct="http://schemas.microsoft.com/office/2006/metadata/contentType" xmlns:ma="http://schemas.microsoft.com/office/2006/metadata/properties/metaAttributes" ct:_="" ma:_="" ma:contentTypeName="Document" ma:contentTypeID="0x01010079F111ED35F8CC479449609E8A0923A6" ma:contentTypeVersion="27" ma:contentTypeDescription="Create a new document." ma:contentTypeScope="" ma:versionID="c6f9a84f66a9c8b9a21755b9ffafb945">
   <xsd:schema xmlns:xsd="http://www.w3.org/2001/XMLSchema" xmlns:xs="http://www.w3.org/2001/XMLSchema" xmlns:p="http://schemas.microsoft.com/office/2006/metadata/properties" xmlns:ns1="http://schemas.microsoft.com/sharepoint/v3" xmlns:ns2="71af3243-3dd4-4a8d-8c0d-dd76da1f02a5" xmlns:ns3="16c05727-aa75-4e4a-9b5f-8a80a1165891" xmlns:ns4="230e9df3-be65-4c73-a93b-d1236ebd677e" targetNamespace="http://schemas.microsoft.com/office/2006/metadata/properties" ma:root="true" ma:fieldsID="27df39e3e7036dff54f89ddd5805ce72" ns1:_="" ns2:_="" ns3:_="" ns4:_="">
     <xsd:import namespace="http://schemas.microsoft.com/sharepoint/v3"/>
@@ -19822,15 +20145,6 @@
 </ct:contentTypeSchema>
 </file>
 
-<file path=customXml/item3.xml><?xml version="1.0" encoding="utf-8"?>
-<?mso-contentType ?>
-<FormTemplates xmlns="http://schemas.microsoft.com/sharepoint/v3/contenttype/forms">
-  <Display>DocumentLibraryForm</Display>
-  <Edit>DocumentLibraryForm</Edit>
-  <New>DocumentLibraryForm</New>
-</FormTemplates>
-</file>
-
 <file path=customXml/itemProps1.xml><?xml version="1.0" encoding="utf-8"?>
 <ds:datastoreItem xmlns:ds="http://schemas.openxmlformats.org/officeDocument/2006/customXml" ds:itemID="{BEFFFA3F-0FB5-4ED3-8906-A15B16577F44}">
   <ds:schemaRefs>
@@ -19844,6 +20158,14 @@
 </file>
 
 <file path=customXml/itemProps2.xml><?xml version="1.0" encoding="utf-8"?>
+<ds:datastoreItem xmlns:ds="http://schemas.openxmlformats.org/officeDocument/2006/customXml" ds:itemID="{6966C46A-DC57-4209-80CD-9FE6C93151FF}">
+  <ds:schemaRefs>
+    <ds:schemaRef ds:uri="http://schemas.microsoft.com/sharepoint/v3/contenttype/forms"/>
+  </ds:schemaRefs>
+</ds:datastoreItem>
+</file>
+
+<file path=customXml/itemProps3.xml><?xml version="1.0" encoding="utf-8"?>
 <ds:datastoreItem xmlns:ds="http://schemas.openxmlformats.org/officeDocument/2006/customXml" ds:itemID="{4E18436D-DA32-4E27-AC64-8FFEDA5218F9}">
   <ds:schemaRefs>
     <ds:schemaRef ds:uri="http://schemas.microsoft.com/office/2006/metadata/contentType"/>
@@ -19864,14 +20186,6 @@
 </ds:datastoreItem>
 </file>
 
-<file path=customXml/itemProps3.xml><?xml version="1.0" encoding="utf-8"?>
-<ds:datastoreItem xmlns:ds="http://schemas.openxmlformats.org/officeDocument/2006/customXml" ds:itemID="{6966C46A-DC57-4209-80CD-9FE6C93151FF}">
-  <ds:schemaRefs>
-    <ds:schemaRef ds:uri="http://schemas.microsoft.com/sharepoint/v3/contenttype/forms"/>
-  </ds:schemaRefs>
-</ds:datastoreItem>
-</file>
-
 <file path=docMetadata/LabelInfo.xml><?xml version="1.0" encoding="utf-8"?>
 <clbl:labelList xmlns:clbl="http://schemas.microsoft.com/office/2020/mipLabelMetadata"/>
 </file>